--- a/Sprint/Sprint_03.pptx
+++ b/Sprint/Sprint_03.pptx
@@ -288,7 +288,7 @@
               <a:pPr>
                 <a:defRPr/>
               </a:pPr>
-              <a:t>11/28/2022</a:t>
+              <a:t>12/18/2022</a:t>
             </a:fld>
             <a:endParaRPr lang="en-US"/>
           </a:p>
@@ -369,7 +369,7 @@
               <a:pPr>
                 <a:defRPr/>
               </a:pPr>
-              <a:t>‹nº›</a:t>
+              <a:t>‹#›</a:t>
             </a:fld>
             <a:endParaRPr lang="en-US"/>
           </a:p>
@@ -484,7 +484,7 @@
               <a:pPr>
                 <a:defRPr/>
               </a:pPr>
-              <a:t>11/28/2022</a:t>
+              <a:t>12/18/2022</a:t>
             </a:fld>
             <a:endParaRPr lang="en-US"/>
           </a:p>
@@ -660,7 +660,7 @@
               <a:pPr>
                 <a:defRPr/>
               </a:pPr>
-              <a:t>‹nº›</a:t>
+              <a:t>‹#›</a:t>
             </a:fld>
             <a:endParaRPr lang="en-US"/>
           </a:p>
@@ -981,17 +981,17 @@
           </a:ln>
           <a:extLst>
             <a:ext uri="{FAA26D3D-D897-4be2-8F04-BA451C77F1D7}">
-              <ma14:placeholderFlag xmlns="" xmlns:ma14="http://schemas.microsoft.com/office/mac/drawingml/2011/main" val="1"/>
+              <ma14:placeholderFlag xmlns:ma14="http://schemas.microsoft.com/office/mac/drawingml/2011/main" xmlns="" val="1"/>
             </a:ext>
             <a:ext uri="{909E8E84-426E-40dd-AFC4-6F175D3DCCD1}">
-              <a14:hiddenFill xmlns="" xmlns:a14="http://schemas.microsoft.com/office/drawing/2010/main">
+              <a14:hiddenFill xmlns:a14="http://schemas.microsoft.com/office/drawing/2010/main" xmlns="">
                 <a:solidFill>
                   <a:srgbClr val="FFFFFF"/>
                 </a:solidFill>
               </a14:hiddenFill>
             </a:ext>
             <a:ext uri="{91240B29-F687-4f45-9708-019B960494DF}">
-              <a14:hiddenLine xmlns="" xmlns:a14="http://schemas.microsoft.com/office/drawing/2010/main" w="9525">
+              <a14:hiddenLine xmlns:a14="http://schemas.microsoft.com/office/drawing/2010/main" xmlns="" w="9525">
                 <a:solidFill>
                   <a:srgbClr val="000000"/>
                 </a:solidFill>
@@ -1459,7 +1459,7 @@
               <a:pPr>
                 <a:defRPr/>
               </a:pPr>
-              <a:t>‹nº›</a:t>
+              <a:t>‹#›</a:t>
             </a:fld>
             <a:endParaRPr lang="en-US" dirty="0"/>
           </a:p>
@@ -1664,7 +1664,7 @@
               <a:pPr>
                 <a:defRPr/>
               </a:pPr>
-              <a:t>‹nº›</a:t>
+              <a:t>‹#›</a:t>
             </a:fld>
             <a:endParaRPr lang="en-US" dirty="0"/>
           </a:p>
@@ -1895,7 +1895,7 @@
               <a:pPr>
                 <a:defRPr/>
               </a:pPr>
-              <a:t>‹nº›</a:t>
+              <a:t>‹#›</a:t>
             </a:fld>
             <a:endParaRPr lang="en-US" dirty="0"/>
           </a:p>
@@ -2114,7 +2114,7 @@
               <a:pPr>
                 <a:defRPr/>
               </a:pPr>
-              <a:t>‹nº›</a:t>
+              <a:t>‹#›</a:t>
             </a:fld>
             <a:endParaRPr lang="en-US" dirty="0"/>
           </a:p>
@@ -2260,17 +2260,17 @@
           </a:ln>
           <a:extLst>
             <a:ext uri="{FAA26D3D-D897-4be2-8F04-BA451C77F1D7}">
-              <ma14:placeholderFlag xmlns="" xmlns:ma14="http://schemas.microsoft.com/office/mac/drawingml/2011/main" val="1"/>
+              <ma14:placeholderFlag xmlns:ma14="http://schemas.microsoft.com/office/mac/drawingml/2011/main" xmlns="" val="1"/>
             </a:ext>
             <a:ext uri="{909E8E84-426E-40dd-AFC4-6F175D3DCCD1}">
-              <a14:hiddenFill xmlns="" xmlns:a14="http://schemas.microsoft.com/office/drawing/2010/main">
+              <a14:hiddenFill xmlns:a14="http://schemas.microsoft.com/office/drawing/2010/main" xmlns="">
                 <a:solidFill>
                   <a:srgbClr val="FFFFFF"/>
                 </a:solidFill>
               </a14:hiddenFill>
             </a:ext>
             <a:ext uri="{91240B29-F687-4f45-9708-019B960494DF}">
-              <a14:hiddenLine xmlns="" xmlns:a14="http://schemas.microsoft.com/office/drawing/2010/main" w="9525">
+              <a14:hiddenLine xmlns:a14="http://schemas.microsoft.com/office/drawing/2010/main" xmlns="" w="9525">
                 <a:solidFill>
                   <a:srgbClr val="000000"/>
                 </a:solidFill>
@@ -2321,17 +2321,17 @@
           </a:ln>
           <a:extLst>
             <a:ext uri="{FAA26D3D-D897-4be2-8F04-BA451C77F1D7}">
-              <ma14:placeholderFlag xmlns="" xmlns:ma14="http://schemas.microsoft.com/office/mac/drawingml/2011/main" val="1"/>
+              <ma14:placeholderFlag xmlns:ma14="http://schemas.microsoft.com/office/mac/drawingml/2011/main" xmlns="" val="1"/>
             </a:ext>
             <a:ext uri="{909E8E84-426E-40dd-AFC4-6F175D3DCCD1}">
-              <a14:hiddenFill xmlns="" xmlns:a14="http://schemas.microsoft.com/office/drawing/2010/main">
+              <a14:hiddenFill xmlns:a14="http://schemas.microsoft.com/office/drawing/2010/main" xmlns="">
                 <a:solidFill>
                   <a:srgbClr val="FFFFFF"/>
                 </a:solidFill>
               </a14:hiddenFill>
             </a:ext>
             <a:ext uri="{91240B29-F687-4f45-9708-019B960494DF}">
-              <a14:hiddenLine xmlns="" xmlns:a14="http://schemas.microsoft.com/office/drawing/2010/main" w="9525">
+              <a14:hiddenLine xmlns:a14="http://schemas.microsoft.com/office/drawing/2010/main" xmlns="" w="9525">
                 <a:solidFill>
                   <a:srgbClr val="000000"/>
                 </a:solidFill>
@@ -2418,7 +2418,7 @@
               <a:pPr>
                 <a:defRPr/>
               </a:pPr>
-              <a:t>‹nº›</a:t>
+              <a:t>‹#›</a:t>
             </a:fld>
             <a:endParaRPr lang="en-US" dirty="0"/>
           </a:p>
@@ -2541,7 +2541,7 @@
           </a:ln>
           <a:extLst>
             <a:ext uri="{909E8E84-426E-40dd-AFC4-6F175D3DCCD1}">
-              <a14:hiddenFill xmlns="" xmlns:a14="http://schemas.microsoft.com/office/drawing/2010/main">
+              <a14:hiddenFill xmlns:a14="http://schemas.microsoft.com/office/drawing/2010/main" xmlns="">
                 <a:solidFill>
                   <a:srgbClr val="FFFFFF">
                     <a:alpha val="50000"/>
@@ -2550,7 +2550,7 @@
               </a14:hiddenFill>
             </a:ext>
             <a:ext uri="{91240B29-F687-4f45-9708-019B960494DF}">
-              <a14:hiddenLine xmlns="" xmlns:a14="http://schemas.microsoft.com/office/drawing/2010/main" w="9525">
+              <a14:hiddenLine xmlns:a14="http://schemas.microsoft.com/office/drawing/2010/main" xmlns="" w="9525">
                 <a:solidFill>
                   <a:srgbClr val="000000"/>
                 </a:solidFill>
@@ -3266,50 +3266,46 @@
           <a:p>
             <a:r>
               <a:rPr lang="en-GB" dirty="0"/>
-              <a:t>Implementation of full movement controls (Not final)</a:t>
+              <a:t>Expansion of the UI</a:t>
             </a:r>
           </a:p>
           <a:p>
             <a:r>
               <a:rPr lang="en-GB" dirty="0"/>
-              <a:t>Use of AR and mobile GUI in unison</a:t>
+              <a:t>AR information Dashboard about the robots basic information</a:t>
             </a:r>
           </a:p>
           <a:p>
             <a:r>
               <a:rPr lang="en-GB" dirty="0"/>
-              <a:t>Porting app to device</a:t>
+              <a:t>Implementation of system to always know the direction of the robot</a:t>
             </a:r>
           </a:p>
           <a:p>
             <a:r>
               <a:rPr lang="en-GB" dirty="0"/>
-              <a:t>Organization of scholar papers</a:t>
+              <a:t>Various single-video tutorials</a:t>
             </a:r>
           </a:p>
           <a:p>
             <a:r>
               <a:rPr lang="en-GB" dirty="0"/>
-              <a:t>Set-up of Mendeley and all the scholars currently saved</a:t>
+              <a:t>Read a few more scholar papers</a:t>
             </a:r>
           </a:p>
           <a:p>
             <a:r>
               <a:rPr lang="en-GB" dirty="0"/>
-              <a:t>Re-visited previous read thesis and papers to add their notes to Foxit</a:t>
-            </a:r>
-          </a:p>
-          <a:p>
-            <a:r>
-              <a:rPr lang="en-GB" dirty="0"/>
-              <a:t>Continuation of tutorial for Vuforia</a:t>
-            </a:r>
-          </a:p>
-          <a:p>
-            <a:r>
-              <a:rPr lang="en-GB" dirty="0"/>
-              <a:t>Implementation of basic robot information on AR</a:t>
-            </a:r>
+              <a:t>Continuation of thesis </a:t>
+            </a:r>
+            <a:r>
+              <a:rPr lang="en-GB" dirty="0" err="1"/>
+              <a:t>writting</a:t>
+            </a:r>
+            <a:endParaRPr lang="en-GB" dirty="0"/>
+          </a:p>
+          <a:p>
+            <a:endParaRPr lang="en-GB" dirty="0"/>
           </a:p>
           <a:p>
             <a:endParaRPr lang="en-GB" dirty="0"/>
@@ -3466,47 +3462,25 @@
           <a:p>
             <a:r>
               <a:rPr lang="en-GB" dirty="0"/>
-              <a:t>Implement arrow to show location of robot in AR</a:t>
+              <a:t>AR mini-tutorial on how to do certain tasks to the robot (Example: Swap a certain part)</a:t>
             </a:r>
           </a:p>
           <a:p>
             <a:r>
               <a:rPr lang="en-GB" dirty="0"/>
-              <a:t>One paper per week to read</a:t>
+              <a:t>Continuo reading scholar papers</a:t>
             </a:r>
           </a:p>
           <a:p>
             <a:r>
               <a:rPr lang="en-GB" dirty="0"/>
-              <a:t>More tutorials to complete</a:t>
-            </a:r>
-          </a:p>
-          <a:p>
-            <a:r>
-              <a:rPr lang="en-GB" dirty="0"/>
-              <a:t>Continue writing the state-of-the-art on the topic of my thesis</a:t>
-            </a:r>
-          </a:p>
-          <a:p>
-            <a:r>
-              <a:rPr lang="en-GB" dirty="0"/>
-              <a:t>Alter the control buttons to a more appropriate ones</a:t>
-            </a:r>
-          </a:p>
-          <a:p>
+              <a:t>Conclusion of the Introduction </a:t>
+            </a:r>
+            <a:r>
+              <a:rPr lang="en-GB"/>
+              <a:t>and State-Of-The-Art</a:t>
+            </a:r>
             <a:endParaRPr lang="en-GB" dirty="0"/>
-          </a:p>
-          <a:p>
-            <a:endParaRPr lang="en-GB" dirty="0"/>
-          </a:p>
-          <a:p>
-            <a:endParaRPr lang="en-GB" dirty="0"/>
-          </a:p>
-          <a:p>
-            <a:r>
-              <a:rPr lang="en-GB" dirty="0"/>
-              <a:t>Finding good tutorials that focus on what I need and are updated</a:t>
-            </a:r>
           </a:p>
         </p:txBody>
       </p:sp>
